--- a/_PowerPoints/1st Semester/Unit 2 Polynomials/PreCalc_Day_016 2.5 Zeros of Polynomials.pptx
+++ b/_PowerPoints/1st Semester/Unit 2 Polynomials/PreCalc_Day_016 2.5 Zeros of Polynomials.pptx
@@ -291,7 +291,7 @@
             <a:fld id="{87DE6118-2437-4B30-8E3C-4D2BE6020583}" type="datetimeFigureOut">
               <a:rPr lang="en-US" dirty="0"/>
               <a:pPr/>
-              <a:t>10/3/2017</a:t>
+              <a:t>10/15/2018</a:t>
             </a:fld>
             <a:endParaRPr lang="en-US" dirty="0"/>
           </a:p>
@@ -617,7 +617,7 @@
           <a:p>
             <a:fld id="{87DE6118-2437-4B30-8E3C-4D2BE6020583}" type="datetimeFigureOut">
               <a:rPr lang="en-US" dirty="0"/>
-              <a:t>10/3/2017</a:t>
+              <a:t>10/15/2018</a:t>
             </a:fld>
             <a:endParaRPr lang="en-US" dirty="0"/>
           </a:p>
@@ -792,7 +792,7 @@
           <a:p>
             <a:fld id="{87DE6118-2437-4B30-8E3C-4D2BE6020583}" type="datetimeFigureOut">
               <a:rPr lang="en-US" dirty="0"/>
-              <a:t>10/3/2017</a:t>
+              <a:t>10/15/2018</a:t>
             </a:fld>
             <a:endParaRPr lang="en-US" dirty="0"/>
           </a:p>
@@ -957,7 +957,7 @@
           <a:p>
             <a:fld id="{87DE6118-2437-4B30-8E3C-4D2BE6020583}" type="datetimeFigureOut">
               <a:rPr lang="en-US" dirty="0"/>
-              <a:t>10/3/2017</a:t>
+              <a:t>10/15/2018</a:t>
             </a:fld>
             <a:endParaRPr lang="en-US" dirty="0"/>
           </a:p>
@@ -1230,7 +1230,7 @@
             <a:fld id="{87DE6118-2437-4B30-8E3C-4D2BE6020583}" type="datetimeFigureOut">
               <a:rPr lang="en-US" dirty="0"/>
               <a:pPr/>
-              <a:t>10/3/2017</a:t>
+              <a:t>10/15/2018</a:t>
             </a:fld>
             <a:endParaRPr lang="en-US" dirty="0"/>
           </a:p>
@@ -1620,7 +1620,7 @@
           <a:p>
             <a:fld id="{87DE6118-2437-4B30-8E3C-4D2BE6020583}" type="datetimeFigureOut">
               <a:rPr lang="en-US" dirty="0"/>
-              <a:t>10/3/2017</a:t>
+              <a:t>10/15/2018</a:t>
             </a:fld>
             <a:endParaRPr lang="en-US" dirty="0"/>
           </a:p>
@@ -2092,7 +2092,7 @@
           <a:p>
             <a:fld id="{87DE6118-2437-4B30-8E3C-4D2BE6020583}" type="datetimeFigureOut">
               <a:rPr lang="en-US" dirty="0"/>
-              <a:t>10/3/2017</a:t>
+              <a:t>10/15/2018</a:t>
             </a:fld>
             <a:endParaRPr lang="en-US" dirty="0"/>
           </a:p>
@@ -2205,7 +2205,7 @@
           <a:p>
             <a:fld id="{87DE6118-2437-4B30-8E3C-4D2BE6020583}" type="datetimeFigureOut">
               <a:rPr lang="en-US" dirty="0"/>
-              <a:t>10/3/2017</a:t>
+              <a:t>10/15/2018</a:t>
             </a:fld>
             <a:endParaRPr lang="en-US" dirty="0"/>
           </a:p>
@@ -2295,7 +2295,7 @@
           <a:p>
             <a:fld id="{87DE6118-2437-4B30-8E3C-4D2BE6020583}" type="datetimeFigureOut">
               <a:rPr lang="en-US" dirty="0"/>
-              <a:t>10/3/2017</a:t>
+              <a:t>10/15/2018</a:t>
             </a:fld>
             <a:endParaRPr lang="en-US" dirty="0"/>
           </a:p>
@@ -2637,7 +2637,7 @@
             <a:fld id="{87DE6118-2437-4B30-8E3C-4D2BE6020583}" type="datetimeFigureOut">
               <a:rPr lang="en-US" dirty="0"/>
               <a:pPr/>
-              <a:t>10/3/2017</a:t>
+              <a:t>10/15/2018</a:t>
             </a:fld>
             <a:endParaRPr lang="en-US" dirty="0"/>
           </a:p>
@@ -3022,7 +3022,7 @@
             <a:fld id="{87DE6118-2437-4B30-8E3C-4D2BE6020583}" type="datetimeFigureOut">
               <a:rPr lang="en-US" dirty="0"/>
               <a:pPr/>
-              <a:t>10/3/2017</a:t>
+              <a:t>10/15/2018</a:t>
             </a:fld>
             <a:endParaRPr lang="en-US" dirty="0"/>
           </a:p>
@@ -3297,7 +3297,7 @@
             <a:fld id="{87DE6118-2437-4B30-8E3C-4D2BE6020583}" type="datetimeFigureOut">
               <a:rPr lang="en-US" dirty="0"/>
               <a:pPr/>
-              <a:t>10/3/2017</a:t>
+              <a:t>10/15/2018</a:t>
             </a:fld>
             <a:endParaRPr lang="en-US" dirty="0"/>
           </a:p>
@@ -3828,8 +3828,8 @@
           </a:p>
         </p:txBody>
       </p:sp>
-      <mc:AlternateContent xmlns:mc="http://schemas.openxmlformats.org/markup-compatibility/2006">
-        <mc:Choice xmlns:a14="http://schemas.microsoft.com/office/drawing/2010/main" Requires="a14">
+      <mc:AlternateContent xmlns:mc="http://schemas.openxmlformats.org/markup-compatibility/2006" xmlns:a14="http://schemas.microsoft.com/office/drawing/2010/main">
+        <mc:Choice Requires="a14">
           <p:sp>
             <p:nvSpPr>
               <p:cNvPr id="3" name="Content Placeholder 2"/>
@@ -3885,122 +3885,166 @@
                       <m:sSup>
                         <m:sSupPr>
                           <m:ctrlPr>
-                            <a:rPr lang="en-US" sz="3200" i="1"/>
+                            <a:rPr lang="en-US" sz="3200" i="1">
+                              <a:latin typeface="Cambria Math" panose="02040503050406030204" pitchFamily="18" charset="0"/>
+                            </a:rPr>
                           </m:ctrlPr>
                         </m:sSupPr>
                         <m:e>
                           <m:r>
-                            <a:rPr lang="en-US" sz="3200" i="1"/>
+                            <a:rPr lang="en-US" sz="3200" i="1">
+                              <a:latin typeface="Cambria Math" panose="02040503050406030204" pitchFamily="18" charset="0"/>
+                            </a:rPr>
                             <m:t>𝑃</m:t>
                           </m:r>
                           <m:d>
                             <m:dPr>
                               <m:ctrlPr>
-                                <a:rPr lang="en-US" sz="3200" i="1"/>
+                                <a:rPr lang="en-US" sz="3200" i="1">
+                                  <a:latin typeface="Cambria Math" panose="02040503050406030204" pitchFamily="18" charset="0"/>
+                                </a:rPr>
                               </m:ctrlPr>
                             </m:dPr>
                             <m:e>
                               <m:r>
-                                <a:rPr lang="en-US" sz="3200" i="1"/>
+                                <a:rPr lang="en-US" sz="3200" i="1">
+                                  <a:latin typeface="Cambria Math" panose="02040503050406030204" pitchFamily="18" charset="0"/>
+                                </a:rPr>
                                 <m:t>𝑥</m:t>
                               </m:r>
                             </m:e>
                           </m:d>
                           <m:r>
-                            <a:rPr lang="en-US" sz="3200" i="1"/>
+                            <a:rPr lang="en-US" sz="3200" i="1">
+                              <a:latin typeface="Cambria Math" panose="02040503050406030204" pitchFamily="18" charset="0"/>
+                            </a:rPr>
                             <m:t>=</m:t>
                           </m:r>
                           <m:r>
-                            <a:rPr lang="en-US" sz="3200" i="1"/>
+                            <a:rPr lang="en-US" sz="3200" i="1">
+                              <a:latin typeface="Cambria Math" panose="02040503050406030204" pitchFamily="18" charset="0"/>
+                            </a:rPr>
                             <m:t>𝑥</m:t>
                           </m:r>
                         </m:e>
                         <m:sup>
                           <m:r>
-                            <a:rPr lang="en-US" sz="3200" i="1"/>
+                            <a:rPr lang="en-US" sz="3200" i="1">
+                              <a:latin typeface="Cambria Math" panose="02040503050406030204" pitchFamily="18" charset="0"/>
+                            </a:rPr>
                             <m:t>5</m:t>
                           </m:r>
                         </m:sup>
                       </m:sSup>
                       <m:r>
-                        <a:rPr lang="en-US" sz="3200" i="1"/>
+                        <a:rPr lang="en-US" sz="3200" i="1">
+                          <a:latin typeface="Cambria Math" panose="02040503050406030204" pitchFamily="18" charset="0"/>
+                        </a:rPr>
                         <m:t>−</m:t>
                       </m:r>
                       <m:sSup>
                         <m:sSupPr>
                           <m:ctrlPr>
-                            <a:rPr lang="en-US" sz="3200" i="1"/>
+                            <a:rPr lang="en-US" sz="3200" i="1">
+                              <a:latin typeface="Cambria Math" panose="02040503050406030204" pitchFamily="18" charset="0"/>
+                            </a:rPr>
                           </m:ctrlPr>
                         </m:sSupPr>
                         <m:e>
                           <m:r>
-                            <a:rPr lang="en-US" sz="3200" i="1"/>
+                            <a:rPr lang="en-US" sz="3200" i="1">
+                              <a:latin typeface="Cambria Math" panose="02040503050406030204" pitchFamily="18" charset="0"/>
+                            </a:rPr>
                             <m:t>𝑥</m:t>
                           </m:r>
                         </m:e>
                         <m:sup>
                           <m:r>
-                            <a:rPr lang="en-US" sz="3200" i="1"/>
+                            <a:rPr lang="en-US" sz="3200" i="1">
+                              <a:latin typeface="Cambria Math" panose="02040503050406030204" pitchFamily="18" charset="0"/>
+                            </a:rPr>
                             <m:t>4</m:t>
                           </m:r>
                         </m:sup>
                       </m:sSup>
                       <m:r>
-                        <a:rPr lang="en-US" sz="3200" i="1"/>
+                        <a:rPr lang="en-US" sz="3200" i="1">
+                          <a:latin typeface="Cambria Math" panose="02040503050406030204" pitchFamily="18" charset="0"/>
+                        </a:rPr>
                         <m:t>−3</m:t>
                       </m:r>
                       <m:sSup>
                         <m:sSupPr>
                           <m:ctrlPr>
-                            <a:rPr lang="en-US" sz="3200" i="1"/>
+                            <a:rPr lang="en-US" sz="3200" i="1">
+                              <a:latin typeface="Cambria Math" panose="02040503050406030204" pitchFamily="18" charset="0"/>
+                            </a:rPr>
                           </m:ctrlPr>
                         </m:sSupPr>
                         <m:e>
                           <m:r>
-                            <a:rPr lang="en-US" sz="3200" i="1"/>
+                            <a:rPr lang="en-US" sz="3200" i="1">
+                              <a:latin typeface="Cambria Math" panose="02040503050406030204" pitchFamily="18" charset="0"/>
+                            </a:rPr>
                             <m:t>𝑥</m:t>
                           </m:r>
                         </m:e>
                         <m:sup>
                           <m:r>
-                            <a:rPr lang="en-US" sz="3200" i="1"/>
+                            <a:rPr lang="en-US" sz="3200" i="1">
+                              <a:latin typeface="Cambria Math" panose="02040503050406030204" pitchFamily="18" charset="0"/>
+                            </a:rPr>
                             <m:t>3</m:t>
                           </m:r>
                         </m:sup>
                       </m:sSup>
                       <m:r>
-                        <a:rPr lang="en-US" sz="3200" i="1"/>
+                        <a:rPr lang="en-US" sz="3200" i="1">
+                          <a:latin typeface="Cambria Math" panose="02040503050406030204" pitchFamily="18" charset="0"/>
+                        </a:rPr>
                         <m:t>+3</m:t>
                       </m:r>
                       <m:sSup>
                         <m:sSupPr>
                           <m:ctrlPr>
-                            <a:rPr lang="en-US" sz="3200" i="1"/>
+                            <a:rPr lang="en-US" sz="3200" i="1">
+                              <a:latin typeface="Cambria Math" panose="02040503050406030204" pitchFamily="18" charset="0"/>
+                            </a:rPr>
                           </m:ctrlPr>
                         </m:sSupPr>
                         <m:e>
                           <m:r>
-                            <a:rPr lang="en-US" sz="3200" i="1"/>
+                            <a:rPr lang="en-US" sz="3200" i="1">
+                              <a:latin typeface="Cambria Math" panose="02040503050406030204" pitchFamily="18" charset="0"/>
+                            </a:rPr>
                             <m:t>𝑥</m:t>
                           </m:r>
                         </m:e>
                         <m:sup>
                           <m:r>
-                            <a:rPr lang="en-US" sz="3200" i="1"/>
+                            <a:rPr lang="en-US" sz="3200" i="1">
+                              <a:latin typeface="Cambria Math" panose="02040503050406030204" pitchFamily="18" charset="0"/>
+                            </a:rPr>
                             <m:t>2</m:t>
                           </m:r>
                         </m:sup>
                       </m:sSup>
                       <m:r>
-                        <a:rPr lang="en-US" sz="3200" i="1"/>
+                        <a:rPr lang="en-US" sz="3200" i="1">
+                          <a:latin typeface="Cambria Math" panose="02040503050406030204" pitchFamily="18" charset="0"/>
+                        </a:rPr>
                         <m:t>−4</m:t>
                       </m:r>
                       <m:r>
-                        <a:rPr lang="en-US" sz="3200" i="1"/>
+                        <a:rPr lang="en-US" sz="3200" i="1">
+                          <a:latin typeface="Cambria Math" panose="02040503050406030204" pitchFamily="18" charset="0"/>
+                        </a:rPr>
                         <m:t>𝑥</m:t>
                       </m:r>
                       <m:r>
-                        <a:rPr lang="en-US" sz="3200" i="1"/>
+                        <a:rPr lang="en-US" sz="3200" i="1">
+                          <a:latin typeface="Cambria Math" panose="02040503050406030204" pitchFamily="18" charset="0"/>
+                        </a:rPr>
                         <m:t>+4=0</m:t>
                       </m:r>
                     </m:oMath>
@@ -4017,7 +4061,7 @@
             </p:txBody>
           </p:sp>
         </mc:Choice>
-        <mc:Fallback>
+        <mc:Fallback xmlns="">
           <p:sp>
             <p:nvSpPr>
               <p:cNvPr id="3" name="Content Placeholder 2"/>
@@ -4359,11 +4403,7 @@
           <a:p>
             <a:r>
               <a:rPr lang="en-US" dirty="0" smtClean="0"/>
-              <a:t>Day </a:t>
-            </a:r>
-            <a:r>
-              <a:rPr lang="en-US" dirty="0" smtClean="0"/>
-              <a:t>16</a:t>
+              <a:t>Day 16</a:t>
             </a:r>
             <a:endParaRPr lang="en-US" dirty="0"/>
           </a:p>
@@ -4449,7 +4489,7 @@
         <p:spPr>
           <a:xfrm>
             <a:off x="1371600" y="1823292"/>
-            <a:ext cx="9601200" cy="1019060"/>
+            <a:ext cx="9601200" cy="3699394"/>
           </a:xfrm>
         </p:spPr>
         <p:txBody>
@@ -4466,8 +4506,36 @@
             </a:r>
             <a:r>
               <a:rPr lang="en-US" sz="2800" dirty="0"/>
-              <a:t>Use Fundamental Theorem of Algebra to determine number of solutions and then find the zeros. </a:t>
-            </a:r>
+              <a:t>Use Fundamental Theorem of Algebra to determine number of solutions and then find the zeros</a:t>
+            </a:r>
+            <a:r>
+              <a:rPr lang="en-US" sz="2800" dirty="0" smtClean="0"/>
+              <a:t>.</a:t>
+            </a:r>
+          </a:p>
+          <a:p>
+            <a:endParaRPr lang="en-US" sz="2800" dirty="0"/>
+          </a:p>
+          <a:p>
+            <a:endParaRPr lang="en-US" sz="2800" dirty="0" smtClean="0"/>
+          </a:p>
+          <a:p>
+            <a:pPr marL="0" indent="0">
+              <a:buNone/>
+            </a:pPr>
+            <a:r>
+              <a:rPr lang="en-US" sz="2800" dirty="0" smtClean="0"/>
+              <a:t>HLQ: How does the Fundamental Theorem of Algebra apply to solving 2 </a:t>
+            </a:r>
+            <a:r>
+              <a:rPr lang="en-US" sz="2800" smtClean="0"/>
+              <a:t>step equations?</a:t>
+            </a:r>
+            <a:r>
+              <a:rPr lang="en-US" sz="2800" smtClean="0"/>
+              <a:t> </a:t>
+            </a:r>
+            <a:endParaRPr lang="en-US" sz="2800" dirty="0"/>
           </a:p>
         </p:txBody>
       </p:sp>
@@ -4533,8 +4601,8 @@
           </a:p>
         </p:txBody>
       </p:sp>
-      <mc:AlternateContent xmlns:mc="http://schemas.openxmlformats.org/markup-compatibility/2006">
-        <mc:Choice xmlns:a14="http://schemas.microsoft.com/office/drawing/2010/main" Requires="a14">
+      <mc:AlternateContent xmlns:mc="http://schemas.openxmlformats.org/markup-compatibility/2006" xmlns:a14="http://schemas.microsoft.com/office/drawing/2010/main">
+        <mc:Choice Requires="a14">
           <p:sp>
             <p:nvSpPr>
               <p:cNvPr id="3" name="Content Placeholder 2"/>
@@ -4564,11 +4632,15 @@
                 <a14:m>
                   <m:oMath xmlns:m="http://schemas.openxmlformats.org/officeDocument/2006/math">
                     <m:r>
-                      <a:rPr lang="en-US" sz="3200" i="1"/>
+                      <a:rPr lang="en-US" sz="3200" i="1">
+                        <a:latin typeface="Cambria Math" panose="02040503050406030204" pitchFamily="18" charset="0"/>
+                      </a:rPr>
                       <m:t>𝑛</m:t>
                     </m:r>
                     <m:r>
-                      <a:rPr lang="en-US" sz="3200" i="1"/>
+                      <a:rPr lang="en-US" sz="3200" i="1">
+                        <a:latin typeface="Cambria Math" panose="02040503050406030204" pitchFamily="18" charset="0"/>
+                      </a:rPr>
                       <m:t> ≥ 0</m:t>
                     </m:r>
                   </m:oMath>
@@ -4580,19 +4652,27 @@
                 <a14:m>
                   <m:oMath xmlns:m="http://schemas.openxmlformats.org/officeDocument/2006/math">
                     <m:r>
-                      <a:rPr lang="en-US" sz="3200" i="1"/>
+                      <a:rPr lang="en-US" sz="3200" i="1">
+                        <a:latin typeface="Cambria Math" panose="02040503050406030204" pitchFamily="18" charset="0"/>
+                      </a:rPr>
                       <m:t>𝑓</m:t>
                     </m:r>
                     <m:r>
-                      <a:rPr lang="en-US" sz="3200" i="1"/>
+                      <a:rPr lang="en-US" sz="3200" i="1">
+                        <a:latin typeface="Cambria Math" panose="02040503050406030204" pitchFamily="18" charset="0"/>
+                      </a:rPr>
                       <m:t>(</m:t>
                     </m:r>
                     <m:r>
-                      <a:rPr lang="en-US" sz="3200" i="1"/>
+                      <a:rPr lang="en-US" sz="3200" i="1">
+                        <a:latin typeface="Cambria Math" panose="02040503050406030204" pitchFamily="18" charset="0"/>
+                      </a:rPr>
                       <m:t>𝑥</m:t>
                     </m:r>
                     <m:r>
-                      <a:rPr lang="en-US" sz="3200" i="1"/>
+                      <a:rPr lang="en-US" sz="3200" i="1">
+                        <a:latin typeface="Cambria Math" panose="02040503050406030204" pitchFamily="18" charset="0"/>
+                      </a:rPr>
                       <m:t>) = 0</m:t>
                     </m:r>
                   </m:oMath>
@@ -4646,7 +4726,7 @@
             </p:txBody>
           </p:sp>
         </mc:Choice>
-        <mc:Fallback>
+        <mc:Fallback xmlns="">
           <p:sp>
             <p:nvSpPr>
               <p:cNvPr id="3" name="Content Placeholder 2"/>
@@ -4746,8 +4826,8 @@
           </a:p>
         </p:txBody>
       </p:sp>
-      <mc:AlternateContent xmlns:mc="http://schemas.openxmlformats.org/markup-compatibility/2006">
-        <mc:Choice xmlns:a14="http://schemas.microsoft.com/office/drawing/2010/main" Requires="a14">
+      <mc:AlternateContent xmlns:mc="http://schemas.openxmlformats.org/markup-compatibility/2006" xmlns:a14="http://schemas.microsoft.com/office/drawing/2010/main">
+        <mc:Choice Requires="a14">
           <p:sp>
             <p:nvSpPr>
               <p:cNvPr id="3" name="Content Placeholder 2"/>
@@ -4788,122 +4868,166 @@
                       <m:sSup>
                         <m:sSupPr>
                           <m:ctrlPr>
-                            <a:rPr lang="en-US" sz="3200" i="1"/>
+                            <a:rPr lang="en-US" sz="3200" i="1">
+                              <a:latin typeface="Cambria Math" panose="02040503050406030204" pitchFamily="18" charset="0"/>
+                            </a:rPr>
                           </m:ctrlPr>
                         </m:sSupPr>
                         <m:e>
                           <m:r>
-                            <a:rPr lang="en-US" sz="3200" i="1"/>
+                            <a:rPr lang="en-US" sz="3200" i="1">
+                              <a:latin typeface="Cambria Math" panose="02040503050406030204" pitchFamily="18" charset="0"/>
+                            </a:rPr>
                             <m:t>𝑃</m:t>
                           </m:r>
                           <m:d>
                             <m:dPr>
                               <m:ctrlPr>
-                                <a:rPr lang="en-US" sz="3200" i="1"/>
+                                <a:rPr lang="en-US" sz="3200" i="1">
+                                  <a:latin typeface="Cambria Math" panose="02040503050406030204" pitchFamily="18" charset="0"/>
+                                </a:rPr>
                               </m:ctrlPr>
                             </m:dPr>
                             <m:e>
                               <m:r>
-                                <a:rPr lang="en-US" sz="3200" i="1"/>
+                                <a:rPr lang="en-US" sz="3200" i="1">
+                                  <a:latin typeface="Cambria Math" panose="02040503050406030204" pitchFamily="18" charset="0"/>
+                                </a:rPr>
                                 <m:t>𝑥</m:t>
                               </m:r>
                             </m:e>
                           </m:d>
                           <m:r>
-                            <a:rPr lang="en-US" sz="3200" i="1"/>
+                            <a:rPr lang="en-US" sz="3200" i="1">
+                              <a:latin typeface="Cambria Math" panose="02040503050406030204" pitchFamily="18" charset="0"/>
+                            </a:rPr>
                             <m:t>=</m:t>
                           </m:r>
                           <m:r>
-                            <a:rPr lang="en-US" sz="3200" i="1"/>
+                            <a:rPr lang="en-US" sz="3200" i="1">
+                              <a:latin typeface="Cambria Math" panose="02040503050406030204" pitchFamily="18" charset="0"/>
+                            </a:rPr>
                             <m:t>𝑥</m:t>
                           </m:r>
                         </m:e>
                         <m:sup>
                           <m:r>
-                            <a:rPr lang="en-US" sz="3200" i="1"/>
+                            <a:rPr lang="en-US" sz="3200" i="1">
+                              <a:latin typeface="Cambria Math" panose="02040503050406030204" pitchFamily="18" charset="0"/>
+                            </a:rPr>
                             <m:t>5</m:t>
                           </m:r>
                         </m:sup>
                       </m:sSup>
                       <m:r>
-                        <a:rPr lang="en-US" sz="3200" i="1"/>
+                        <a:rPr lang="en-US" sz="3200" i="1">
+                          <a:latin typeface="Cambria Math" panose="02040503050406030204" pitchFamily="18" charset="0"/>
+                        </a:rPr>
                         <m:t>−</m:t>
                       </m:r>
                       <m:sSup>
                         <m:sSupPr>
                           <m:ctrlPr>
-                            <a:rPr lang="en-US" sz="3200" i="1"/>
+                            <a:rPr lang="en-US" sz="3200" i="1">
+                              <a:latin typeface="Cambria Math" panose="02040503050406030204" pitchFamily="18" charset="0"/>
+                            </a:rPr>
                           </m:ctrlPr>
                         </m:sSupPr>
                         <m:e>
                           <m:r>
-                            <a:rPr lang="en-US" sz="3200" i="1"/>
+                            <a:rPr lang="en-US" sz="3200" i="1">
+                              <a:latin typeface="Cambria Math" panose="02040503050406030204" pitchFamily="18" charset="0"/>
+                            </a:rPr>
                             <m:t>𝑥</m:t>
                           </m:r>
                         </m:e>
                         <m:sup>
                           <m:r>
-                            <a:rPr lang="en-US" sz="3200" i="1"/>
+                            <a:rPr lang="en-US" sz="3200" i="1">
+                              <a:latin typeface="Cambria Math" panose="02040503050406030204" pitchFamily="18" charset="0"/>
+                            </a:rPr>
                             <m:t>4</m:t>
                           </m:r>
                         </m:sup>
                       </m:sSup>
                       <m:r>
-                        <a:rPr lang="en-US" sz="3200" i="1"/>
+                        <a:rPr lang="en-US" sz="3200" i="1">
+                          <a:latin typeface="Cambria Math" panose="02040503050406030204" pitchFamily="18" charset="0"/>
+                        </a:rPr>
                         <m:t>−3</m:t>
                       </m:r>
                       <m:sSup>
                         <m:sSupPr>
                           <m:ctrlPr>
-                            <a:rPr lang="en-US" sz="3200" i="1"/>
+                            <a:rPr lang="en-US" sz="3200" i="1">
+                              <a:latin typeface="Cambria Math" panose="02040503050406030204" pitchFamily="18" charset="0"/>
+                            </a:rPr>
                           </m:ctrlPr>
                         </m:sSupPr>
                         <m:e>
                           <m:r>
-                            <a:rPr lang="en-US" sz="3200" i="1"/>
+                            <a:rPr lang="en-US" sz="3200" i="1">
+                              <a:latin typeface="Cambria Math" panose="02040503050406030204" pitchFamily="18" charset="0"/>
+                            </a:rPr>
                             <m:t>𝑥</m:t>
                           </m:r>
                         </m:e>
                         <m:sup>
                           <m:r>
-                            <a:rPr lang="en-US" sz="3200" i="1"/>
+                            <a:rPr lang="en-US" sz="3200" i="1">
+                              <a:latin typeface="Cambria Math" panose="02040503050406030204" pitchFamily="18" charset="0"/>
+                            </a:rPr>
                             <m:t>3</m:t>
                           </m:r>
                         </m:sup>
                       </m:sSup>
                       <m:r>
-                        <a:rPr lang="en-US" sz="3200" i="1"/>
+                        <a:rPr lang="en-US" sz="3200" i="1">
+                          <a:latin typeface="Cambria Math" panose="02040503050406030204" pitchFamily="18" charset="0"/>
+                        </a:rPr>
                         <m:t>+3</m:t>
                       </m:r>
                       <m:sSup>
                         <m:sSupPr>
                           <m:ctrlPr>
-                            <a:rPr lang="en-US" sz="3200" i="1"/>
+                            <a:rPr lang="en-US" sz="3200" i="1">
+                              <a:latin typeface="Cambria Math" panose="02040503050406030204" pitchFamily="18" charset="0"/>
+                            </a:rPr>
                           </m:ctrlPr>
                         </m:sSupPr>
                         <m:e>
                           <m:r>
-                            <a:rPr lang="en-US" sz="3200" i="1"/>
+                            <a:rPr lang="en-US" sz="3200" i="1">
+                              <a:latin typeface="Cambria Math" panose="02040503050406030204" pitchFamily="18" charset="0"/>
+                            </a:rPr>
                             <m:t>𝑥</m:t>
                           </m:r>
                         </m:e>
                         <m:sup>
                           <m:r>
-                            <a:rPr lang="en-US" sz="3200" i="1"/>
+                            <a:rPr lang="en-US" sz="3200" i="1">
+                              <a:latin typeface="Cambria Math" panose="02040503050406030204" pitchFamily="18" charset="0"/>
+                            </a:rPr>
                             <m:t>2</m:t>
                           </m:r>
                         </m:sup>
                       </m:sSup>
                       <m:r>
-                        <a:rPr lang="en-US" sz="3200" i="1"/>
+                        <a:rPr lang="en-US" sz="3200" i="1">
+                          <a:latin typeface="Cambria Math" panose="02040503050406030204" pitchFamily="18" charset="0"/>
+                        </a:rPr>
                         <m:t>−4</m:t>
                       </m:r>
                       <m:r>
-                        <a:rPr lang="en-US" sz="3200" i="1"/>
+                        <a:rPr lang="en-US" sz="3200" i="1">
+                          <a:latin typeface="Cambria Math" panose="02040503050406030204" pitchFamily="18" charset="0"/>
+                        </a:rPr>
                         <m:t>𝑥</m:t>
                       </m:r>
                       <m:r>
-                        <a:rPr lang="en-US" sz="3200" i="1"/>
+                        <a:rPr lang="en-US" sz="3200" i="1">
+                          <a:latin typeface="Cambria Math" panose="02040503050406030204" pitchFamily="18" charset="0"/>
+                        </a:rPr>
                         <m:t>+4=0</m:t>
                       </m:r>
                     </m:oMath>
@@ -4948,7 +5072,7 @@
             </p:txBody>
           </p:sp>
         </mc:Choice>
-        <mc:Fallback>
+        <mc:Fallback xmlns="">
           <p:sp>
             <p:nvSpPr>
               <p:cNvPr id="3" name="Content Placeholder 2"/>
@@ -5051,8 +5175,8 @@
           </a:p>
         </p:txBody>
       </p:sp>
-      <mc:AlternateContent xmlns:mc="http://schemas.openxmlformats.org/markup-compatibility/2006">
-        <mc:Choice xmlns:a14="http://schemas.microsoft.com/office/drawing/2010/main" Requires="a14">
+      <mc:AlternateContent xmlns:mc="http://schemas.openxmlformats.org/markup-compatibility/2006" xmlns:a14="http://schemas.microsoft.com/office/drawing/2010/main">
+        <mc:Choice Requires="a14">
           <p:sp>
             <p:nvSpPr>
               <p:cNvPr id="3" name="Content Placeholder 2"/>
@@ -5110,105 +5234,143 @@
                       <m:sSup>
                         <m:sSupPr>
                           <m:ctrlPr>
-                            <a:rPr lang="en-US" i="1"/>
+                            <a:rPr lang="en-US" i="1">
+                              <a:latin typeface="Cambria Math" panose="02040503050406030204" pitchFamily="18" charset="0"/>
+                            </a:rPr>
                           </m:ctrlPr>
                         </m:sSupPr>
                         <m:e>
                           <m:r>
-                            <a:rPr lang="en-US" i="1"/>
+                            <a:rPr lang="en-US" i="1">
+                              <a:latin typeface="Cambria Math" panose="02040503050406030204" pitchFamily="18" charset="0"/>
+                            </a:rPr>
                             <m:t>        </m:t>
                           </m:r>
                           <m:r>
-                            <a:rPr lang="en-US" i="1"/>
+                            <a:rPr lang="en-US" i="1">
+                              <a:latin typeface="Cambria Math" panose="02040503050406030204" pitchFamily="18" charset="0"/>
+                            </a:rPr>
                             <m:t>𝑥</m:t>
                           </m:r>
                         </m:e>
                         <m:sup>
                           <m:r>
-                            <a:rPr lang="en-US" i="1"/>
+                            <a:rPr lang="en-US" i="1">
+                              <a:latin typeface="Cambria Math" panose="02040503050406030204" pitchFamily="18" charset="0"/>
+                            </a:rPr>
                             <m:t>5</m:t>
                           </m:r>
                         </m:sup>
                       </m:sSup>
                       <m:r>
-                        <a:rPr lang="en-US" i="1"/>
+                        <a:rPr lang="en-US" i="1">
+                          <a:latin typeface="Cambria Math" panose="02040503050406030204" pitchFamily="18" charset="0"/>
+                        </a:rPr>
                         <m:t>−</m:t>
                       </m:r>
                       <m:sSup>
                         <m:sSupPr>
                           <m:ctrlPr>
-                            <a:rPr lang="en-US" i="1"/>
+                            <a:rPr lang="en-US" i="1">
+                              <a:latin typeface="Cambria Math" panose="02040503050406030204" pitchFamily="18" charset="0"/>
+                            </a:rPr>
                           </m:ctrlPr>
                         </m:sSupPr>
                         <m:e>
                           <m:r>
-                            <a:rPr lang="en-US" i="1"/>
+                            <a:rPr lang="en-US" i="1">
+                              <a:latin typeface="Cambria Math" panose="02040503050406030204" pitchFamily="18" charset="0"/>
+                            </a:rPr>
                             <m:t>𝑥</m:t>
                           </m:r>
                         </m:e>
                         <m:sup>
                           <m:r>
-                            <a:rPr lang="en-US" i="1"/>
+                            <a:rPr lang="en-US" i="1">
+                              <a:latin typeface="Cambria Math" panose="02040503050406030204" pitchFamily="18" charset="0"/>
+                            </a:rPr>
                             <m:t>4</m:t>
                           </m:r>
                         </m:sup>
                       </m:sSup>
                       <m:r>
-                        <a:rPr lang="en-US" i="1"/>
+                        <a:rPr lang="en-US" i="1">
+                          <a:latin typeface="Cambria Math" panose="02040503050406030204" pitchFamily="18" charset="0"/>
+                        </a:rPr>
                         <m:t>−3</m:t>
                       </m:r>
                       <m:sSup>
                         <m:sSupPr>
                           <m:ctrlPr>
-                            <a:rPr lang="en-US" i="1"/>
+                            <a:rPr lang="en-US" i="1">
+                              <a:latin typeface="Cambria Math" panose="02040503050406030204" pitchFamily="18" charset="0"/>
+                            </a:rPr>
                           </m:ctrlPr>
                         </m:sSupPr>
                         <m:e>
                           <m:r>
-                            <a:rPr lang="en-US" i="1"/>
+                            <a:rPr lang="en-US" i="1">
+                              <a:latin typeface="Cambria Math" panose="02040503050406030204" pitchFamily="18" charset="0"/>
+                            </a:rPr>
                             <m:t>𝑥</m:t>
                           </m:r>
                         </m:e>
                         <m:sup>
                           <m:r>
-                            <a:rPr lang="en-US" i="1"/>
+                            <a:rPr lang="en-US" i="1">
+                              <a:latin typeface="Cambria Math" panose="02040503050406030204" pitchFamily="18" charset="0"/>
+                            </a:rPr>
                             <m:t>3</m:t>
                           </m:r>
                         </m:sup>
                       </m:sSup>
                       <m:r>
-                        <a:rPr lang="en-US" i="1"/>
+                        <a:rPr lang="en-US" i="1">
+                          <a:latin typeface="Cambria Math" panose="02040503050406030204" pitchFamily="18" charset="0"/>
+                        </a:rPr>
                         <m:t>+3</m:t>
                       </m:r>
                       <m:sSup>
                         <m:sSupPr>
                           <m:ctrlPr>
-                            <a:rPr lang="en-US" i="1"/>
+                            <a:rPr lang="en-US" i="1">
+                              <a:latin typeface="Cambria Math" panose="02040503050406030204" pitchFamily="18" charset="0"/>
+                            </a:rPr>
                           </m:ctrlPr>
                         </m:sSupPr>
                         <m:e>
                           <m:r>
-                            <a:rPr lang="en-US" i="1"/>
+                            <a:rPr lang="en-US" i="1">
+                              <a:latin typeface="Cambria Math" panose="02040503050406030204" pitchFamily="18" charset="0"/>
+                            </a:rPr>
                             <m:t>𝑥</m:t>
                           </m:r>
                         </m:e>
                         <m:sup>
                           <m:r>
-                            <a:rPr lang="en-US" i="1"/>
+                            <a:rPr lang="en-US" i="1">
+                              <a:latin typeface="Cambria Math" panose="02040503050406030204" pitchFamily="18" charset="0"/>
+                            </a:rPr>
                             <m:t>2</m:t>
                           </m:r>
                         </m:sup>
                       </m:sSup>
                       <m:r>
-                        <a:rPr lang="en-US" i="1"/>
+                        <a:rPr lang="en-US" i="1">
+                          <a:latin typeface="Cambria Math" panose="02040503050406030204" pitchFamily="18" charset="0"/>
+                        </a:rPr>
                         <m:t>−4</m:t>
                       </m:r>
                       <m:r>
-                        <a:rPr lang="en-US" i="1"/>
+                        <a:rPr lang="en-US" i="1">
+                          <a:latin typeface="Cambria Math" panose="02040503050406030204" pitchFamily="18" charset="0"/>
+                        </a:rPr>
                         <m:t>𝑥</m:t>
                       </m:r>
                       <m:r>
-                        <a:rPr lang="en-US" i="1"/>
+                        <a:rPr lang="en-US" i="1">
+                          <a:latin typeface="Cambria Math" panose="02040503050406030204" pitchFamily="18" charset="0"/>
+                        </a:rPr>
                         <m:t>+4</m:t>
                       </m:r>
                     </m:oMath>
@@ -5227,7 +5389,9 @@
                     </m:oMathParaPr>
                     <m:oMath xmlns:m="http://schemas.openxmlformats.org/officeDocument/2006/math">
                       <m:r>
-                        <a:rPr lang="en-US" i="1" u="sng"/>
+                        <a:rPr lang="en-US" i="1" u="sng">
+                          <a:latin typeface="Cambria Math" panose="02040503050406030204" pitchFamily="18" charset="0"/>
+                        </a:rPr>
                         <m:t>1               1        0     −3          0   −4</m:t>
                       </m:r>
                     </m:oMath>
@@ -5258,7 +5422,9 @@
                         <m:t>        </m:t>
                       </m:r>
                       <m:r>
-                        <a:rPr lang="en-US" i="1"/>
+                        <a:rPr lang="en-US" i="1">
+                          <a:latin typeface="Cambria Math" panose="02040503050406030204" pitchFamily="18" charset="0"/>
+                        </a:rPr>
                         <m:t>1      0   −3          0     −4        0  </m:t>
                       </m:r>
                     </m:oMath>
@@ -5441,13 +5607,7 @@
                         <a:rPr lang="en-US" i="1" u="sng">
                           <a:latin typeface="Cambria Math" panose="02040503050406030204" pitchFamily="18" charset="0"/>
                         </a:rPr>
-                        <m:t>2</m:t>
-                      </m:r>
-                      <m:r>
-                        <a:rPr lang="en-US" i="1" u="sng">
-                          <a:latin typeface="Cambria Math" panose="02040503050406030204" pitchFamily="18" charset="0"/>
-                        </a:rPr>
-                        <m:t>     </m:t>
+                        <m:t>2     </m:t>
                       </m:r>
                       <m:r>
                         <a:rPr lang="en-US" b="0" i="1" u="sng" smtClean="0">
@@ -5459,13 +5619,7 @@
                         <a:rPr lang="en-US" i="1" u="sng">
                           <a:latin typeface="Cambria Math" panose="02040503050406030204" pitchFamily="18" charset="0"/>
                         </a:rPr>
-                        <m:t>2</m:t>
-                      </m:r>
-                      <m:r>
-                        <a:rPr lang="en-US" i="1" u="sng">
-                          <a:latin typeface="Cambria Math" panose="02040503050406030204" pitchFamily="18" charset="0"/>
-                        </a:rPr>
-                        <m:t>        </m:t>
+                        <m:t>2        </m:t>
                       </m:r>
                       <m:r>
                         <a:rPr lang="en-US" b="0" i="1" u="sng" smtClean="0">
@@ -5489,13 +5643,7 @@
                         <a:rPr lang="en-US" i="1" u="sng">
                           <a:latin typeface="Cambria Math" panose="02040503050406030204" pitchFamily="18" charset="0"/>
                         </a:rPr>
-                        <m:t>2</m:t>
-                      </m:r>
-                      <m:r>
-                        <a:rPr lang="en-US" i="1" u="sng">
-                          <a:latin typeface="Cambria Math" panose="02040503050406030204" pitchFamily="18" charset="0"/>
-                        </a:rPr>
-                        <m:t>             </m:t>
+                        <m:t>2             </m:t>
                       </m:r>
                     </m:oMath>
                   </m:oMathPara>
@@ -5532,19 +5680,7 @@
                       <a:rPr lang="en-US" i="1">
                         <a:latin typeface="Cambria Math" panose="02040503050406030204" pitchFamily="18" charset="0"/>
                       </a:rPr>
-                      <m:t>   </m:t>
-                    </m:r>
-                    <m:r>
-                      <a:rPr lang="en-US" i="1">
-                        <a:latin typeface="Cambria Math" panose="02040503050406030204" pitchFamily="18" charset="0"/>
-                      </a:rPr>
-                      <m:t>     1</m:t>
-                    </m:r>
-                    <m:r>
-                      <a:rPr lang="en-US" i="1">
-                        <a:latin typeface="Cambria Math" panose="02040503050406030204" pitchFamily="18" charset="0"/>
-                      </a:rPr>
-                      <m:t>          </m:t>
+                      <m:t>        1          </m:t>
                     </m:r>
                     <m:r>
                       <a:rPr lang="en-US" b="0" i="1" smtClean="0">
@@ -5618,22 +5754,30 @@
                 <a14:m>
                   <m:oMath xmlns:m="http://schemas.openxmlformats.org/officeDocument/2006/math">
                     <m:r>
-                      <a:rPr lang="en-US" i="1"/>
+                      <a:rPr lang="en-US" i="1">
+                        <a:latin typeface="Cambria Math" panose="02040503050406030204" pitchFamily="18" charset="0"/>
+                      </a:rPr>
                       <m:t>=</m:t>
                     </m:r>
                     <m:d>
                       <m:dPr>
                         <m:ctrlPr>
-                          <a:rPr lang="en-US" i="1"/>
+                          <a:rPr lang="en-US" i="1">
+                            <a:latin typeface="Cambria Math" panose="02040503050406030204" pitchFamily="18" charset="0"/>
+                          </a:rPr>
                         </m:ctrlPr>
                       </m:dPr>
                       <m:e>
                         <m:r>
-                          <a:rPr lang="en-US" i="1"/>
+                          <a:rPr lang="en-US" i="1">
+                            <a:latin typeface="Cambria Math" panose="02040503050406030204" pitchFamily="18" charset="0"/>
+                          </a:rPr>
                           <m:t>𝑥</m:t>
                         </m:r>
                         <m:r>
-                          <a:rPr lang="en-US" i="1"/>
+                          <a:rPr lang="en-US" i="1">
+                            <a:latin typeface="Cambria Math" panose="02040503050406030204" pitchFamily="18" charset="0"/>
+                          </a:rPr>
                           <m:t>−1</m:t>
                         </m:r>
                       </m:e>
@@ -5641,58 +5785,84 @@
                     <m:d>
                       <m:dPr>
                         <m:ctrlPr>
-                          <a:rPr lang="en-US" i="1"/>
+                          <a:rPr lang="en-US" i="1">
+                            <a:latin typeface="Cambria Math" panose="02040503050406030204" pitchFamily="18" charset="0"/>
+                          </a:rPr>
                         </m:ctrlPr>
                       </m:dPr>
                       <m:e>
                         <m:r>
-                          <a:rPr lang="en-US" i="1"/>
+                          <a:rPr lang="en-US" i="1">
+                            <a:latin typeface="Cambria Math" panose="02040503050406030204" pitchFamily="18" charset="0"/>
+                          </a:rPr>
                           <m:t>𝑥</m:t>
                         </m:r>
                         <m:r>
-                          <a:rPr lang="en-US" i="1"/>
+                          <a:rPr lang="en-US" i="1">
+                            <a:latin typeface="Cambria Math" panose="02040503050406030204" pitchFamily="18" charset="0"/>
+                          </a:rPr>
                           <m:t>+2)(</m:t>
                         </m:r>
                         <m:r>
-                          <a:rPr lang="en-US" i="1"/>
+                          <a:rPr lang="en-US" i="1">
+                            <a:latin typeface="Cambria Math" panose="02040503050406030204" pitchFamily="18" charset="0"/>
+                          </a:rPr>
                           <m:t>𝑥</m:t>
                         </m:r>
                         <m:r>
-                          <a:rPr lang="en-US" i="1"/>
+                          <a:rPr lang="en-US" i="1">
+                            <a:latin typeface="Cambria Math" panose="02040503050406030204" pitchFamily="18" charset="0"/>
+                          </a:rPr>
                           <m:t>−2)(</m:t>
                         </m:r>
                         <m:r>
-                          <a:rPr lang="en-US" i="1"/>
+                          <a:rPr lang="en-US" i="1">
+                            <a:latin typeface="Cambria Math" panose="02040503050406030204" pitchFamily="18" charset="0"/>
+                          </a:rPr>
                           <m:t>𝑥</m:t>
                         </m:r>
                         <m:r>
-                          <a:rPr lang="en-US" i="1"/>
+                          <a:rPr lang="en-US" i="1">
+                            <a:latin typeface="Cambria Math" panose="02040503050406030204" pitchFamily="18" charset="0"/>
+                          </a:rPr>
                           <m:t>+</m:t>
                         </m:r>
                         <m:r>
-                          <a:rPr lang="en-US" i="1"/>
+                          <a:rPr lang="en-US" i="1">
+                            <a:latin typeface="Cambria Math" panose="02040503050406030204" pitchFamily="18" charset="0"/>
+                          </a:rPr>
                           <m:t>𝑖</m:t>
                         </m:r>
                       </m:e>
                     </m:d>
                     <m:r>
-                      <a:rPr lang="en-US" i="1"/>
+                      <a:rPr lang="en-US" i="1">
+                        <a:latin typeface="Cambria Math" panose="02040503050406030204" pitchFamily="18" charset="0"/>
+                      </a:rPr>
                       <m:t>(</m:t>
                     </m:r>
                     <m:r>
-                      <a:rPr lang="en-US" i="1"/>
+                      <a:rPr lang="en-US" i="1">
+                        <a:latin typeface="Cambria Math" panose="02040503050406030204" pitchFamily="18" charset="0"/>
+                      </a:rPr>
                       <m:t>𝑥</m:t>
                     </m:r>
                     <m:r>
-                      <a:rPr lang="en-US" i="1"/>
+                      <a:rPr lang="en-US" i="1">
+                        <a:latin typeface="Cambria Math" panose="02040503050406030204" pitchFamily="18" charset="0"/>
+                      </a:rPr>
                       <m:t>−</m:t>
                     </m:r>
                     <m:r>
-                      <a:rPr lang="en-US" i="1"/>
+                      <a:rPr lang="en-US" i="1">
+                        <a:latin typeface="Cambria Math" panose="02040503050406030204" pitchFamily="18" charset="0"/>
+                      </a:rPr>
                       <m:t>𝑖</m:t>
                     </m:r>
                     <m:r>
-                      <a:rPr lang="en-US" i="1"/>
+                      <a:rPr lang="en-US" i="1">
+                        <a:latin typeface="Cambria Math" panose="02040503050406030204" pitchFamily="18" charset="0"/>
+                      </a:rPr>
                       <m:t>)</m:t>
                     </m:r>
                   </m:oMath>
@@ -5720,7 +5890,9 @@
                     </m:oMathParaPr>
                     <m:oMath xmlns:m="http://schemas.openxmlformats.org/officeDocument/2006/math">
                       <m:r>
-                        <a:rPr lang="en-US" i="1"/>
+                        <a:rPr lang="en-US" i="1">
+                          <a:latin typeface="Cambria Math" panose="02040503050406030204" pitchFamily="18" charset="0"/>
+                        </a:rPr>
                         <m:t>𝑇</m:t>
                       </m:r>
                       <m:r>
@@ -5748,31 +5920,45 @@
                         <m:t> </m:t>
                       </m:r>
                       <m:r>
-                        <a:rPr lang="en-US" i="1"/>
+                        <a:rPr lang="en-US" i="1">
+                          <a:latin typeface="Cambria Math" panose="02040503050406030204" pitchFamily="18" charset="0"/>
+                        </a:rPr>
                         <m:t>𝑎𝑟𝑒</m:t>
                       </m:r>
                       <m:r>
-                        <a:rPr lang="en-US" i="1"/>
+                        <a:rPr lang="en-US" i="1">
+                          <a:latin typeface="Cambria Math" panose="02040503050406030204" pitchFamily="18" charset="0"/>
+                        </a:rPr>
                         <m:t> 1, −2, 2, −</m:t>
                       </m:r>
                       <m:r>
-                        <a:rPr lang="en-US" i="1"/>
+                        <a:rPr lang="en-US" i="1">
+                          <a:latin typeface="Cambria Math" panose="02040503050406030204" pitchFamily="18" charset="0"/>
+                        </a:rPr>
                         <m:t>𝑖</m:t>
                       </m:r>
                       <m:r>
-                        <a:rPr lang="en-US" i="1"/>
+                        <a:rPr lang="en-US" i="1">
+                          <a:latin typeface="Cambria Math" panose="02040503050406030204" pitchFamily="18" charset="0"/>
+                        </a:rPr>
                         <m:t> </m:t>
                       </m:r>
                       <m:r>
-                        <a:rPr lang="en-US" i="1"/>
+                        <a:rPr lang="en-US" i="1">
+                          <a:latin typeface="Cambria Math" panose="02040503050406030204" pitchFamily="18" charset="0"/>
+                        </a:rPr>
                         <m:t>𝑎𝑛𝑑</m:t>
                       </m:r>
                       <m:r>
-                        <a:rPr lang="en-US" i="1"/>
+                        <a:rPr lang="en-US" i="1">
+                          <a:latin typeface="Cambria Math" panose="02040503050406030204" pitchFamily="18" charset="0"/>
+                        </a:rPr>
                         <m:t> </m:t>
                       </m:r>
                       <m:r>
-                        <a:rPr lang="en-US" i="1"/>
+                        <a:rPr lang="en-US" i="1">
+                          <a:latin typeface="Cambria Math" panose="02040503050406030204" pitchFamily="18" charset="0"/>
+                        </a:rPr>
                         <m:t>𝑖</m:t>
                       </m:r>
                     </m:oMath>
@@ -5783,7 +5969,7 @@
             </p:txBody>
           </p:sp>
         </mc:Choice>
-        <mc:Fallback>
+        <mc:Fallback xmlns="">
           <p:sp>
             <p:nvSpPr>
               <p:cNvPr id="3" name="Content Placeholder 2"/>
@@ -5881,8 +6067,8 @@
           </a:p>
         </p:txBody>
       </p:sp>
-      <mc:AlternateContent xmlns:mc="http://schemas.openxmlformats.org/markup-compatibility/2006">
-        <mc:Choice xmlns:a14="http://schemas.microsoft.com/office/drawing/2010/main" Requires="a14">
+      <mc:AlternateContent xmlns:mc="http://schemas.openxmlformats.org/markup-compatibility/2006" xmlns:a14="http://schemas.microsoft.com/office/drawing/2010/main">
+        <mc:Choice Requires="a14">
           <p:sp>
             <p:nvSpPr>
               <p:cNvPr id="3" name="Content Placeholder 2"/>
@@ -5903,108 +6089,138 @@
                     <m:sSup>
                       <m:sSupPr>
                         <m:ctrlPr>
-                          <a:rPr lang="en-US" sz="3200" i="1" smtClean="0"/>
+                          <a:rPr lang="en-US" sz="3200" i="1" smtClean="0">
+                            <a:latin typeface="Cambria Math" panose="02040503050406030204" pitchFamily="18" charset="0"/>
+                          </a:rPr>
                         </m:ctrlPr>
                       </m:sSupPr>
                       <m:e>
                         <m:r>
-                          <a:rPr lang="en-US" sz="3200" i="1"/>
+                          <a:rPr lang="en-US" sz="3200" i="1">
+                            <a:latin typeface="Cambria Math" panose="02040503050406030204" pitchFamily="18" charset="0"/>
+                          </a:rPr>
                           <m:t>𝑥</m:t>
                         </m:r>
                       </m:e>
                       <m:sup>
                         <m:r>
-                          <a:rPr lang="en-US" sz="3200" i="1"/>
+                          <a:rPr lang="en-US" sz="3200" i="1">
+                            <a:latin typeface="Cambria Math" panose="02040503050406030204" pitchFamily="18" charset="0"/>
+                          </a:rPr>
                           <m:t>5</m:t>
                         </m:r>
                       </m:sup>
                     </m:sSup>
                     <m:r>
-                      <a:rPr lang="en-US" sz="3200" i="1"/>
+                      <a:rPr lang="en-US" sz="3200" i="1">
+                        <a:latin typeface="Cambria Math" panose="02040503050406030204" pitchFamily="18" charset="0"/>
+                      </a:rPr>
                       <m:t>−</m:t>
                     </m:r>
                     <m:sSup>
                       <m:sSupPr>
                         <m:ctrlPr>
-                          <a:rPr lang="en-US" sz="3200" i="1"/>
+                          <a:rPr lang="en-US" sz="3200" i="1">
+                            <a:latin typeface="Cambria Math" panose="02040503050406030204" pitchFamily="18" charset="0"/>
+                          </a:rPr>
                         </m:ctrlPr>
                       </m:sSupPr>
                       <m:e>
                         <m:r>
-                          <a:rPr lang="en-US" sz="3200" i="1"/>
+                          <a:rPr lang="en-US" sz="3200" i="1">
+                            <a:latin typeface="Cambria Math" panose="02040503050406030204" pitchFamily="18" charset="0"/>
+                          </a:rPr>
                           <m:t>𝑥</m:t>
                         </m:r>
                       </m:e>
                       <m:sup>
                         <m:r>
-                          <a:rPr lang="en-US" sz="3200" i="1"/>
+                          <a:rPr lang="en-US" sz="3200" i="1">
+                            <a:latin typeface="Cambria Math" panose="02040503050406030204" pitchFamily="18" charset="0"/>
+                          </a:rPr>
                           <m:t>4</m:t>
                         </m:r>
                       </m:sup>
                     </m:sSup>
                     <m:r>
-                      <a:rPr lang="en-US" sz="3200" i="1"/>
+                      <a:rPr lang="en-US" sz="3200" i="1">
+                        <a:latin typeface="Cambria Math" panose="02040503050406030204" pitchFamily="18" charset="0"/>
+                      </a:rPr>
                       <m:t>−7</m:t>
                     </m:r>
                     <m:sSup>
                       <m:sSupPr>
                         <m:ctrlPr>
-                          <a:rPr lang="en-US" sz="3200" i="1"/>
+                          <a:rPr lang="en-US" sz="3200" i="1">
+                            <a:latin typeface="Cambria Math" panose="02040503050406030204" pitchFamily="18" charset="0"/>
+                          </a:rPr>
                         </m:ctrlPr>
                       </m:sSupPr>
                       <m:e>
                         <m:r>
-                          <a:rPr lang="en-US" sz="3200" i="1"/>
+                          <a:rPr lang="en-US" sz="3200" i="1">
+                            <a:latin typeface="Cambria Math" panose="02040503050406030204" pitchFamily="18" charset="0"/>
+                          </a:rPr>
                           <m:t>𝑥</m:t>
                         </m:r>
                       </m:e>
                       <m:sup>
                         <m:r>
-                          <a:rPr lang="en-US" sz="3200" i="1"/>
+                          <a:rPr lang="en-US" sz="3200" i="1">
+                            <a:latin typeface="Cambria Math" panose="02040503050406030204" pitchFamily="18" charset="0"/>
+                          </a:rPr>
                           <m:t>3</m:t>
                         </m:r>
                       </m:sup>
                     </m:sSup>
                     <m:r>
-                      <a:rPr lang="en-US" sz="3200" i="1"/>
+                      <a:rPr lang="en-US" sz="3200" i="1">
+                        <a:latin typeface="Cambria Math" panose="02040503050406030204" pitchFamily="18" charset="0"/>
+                      </a:rPr>
                       <m:t>+7</m:t>
                     </m:r>
                     <m:sSup>
                       <m:sSupPr>
                         <m:ctrlPr>
-                          <a:rPr lang="en-US" sz="3200" i="1"/>
+                          <a:rPr lang="en-US" sz="3200" i="1">
+                            <a:latin typeface="Cambria Math" panose="02040503050406030204" pitchFamily="18" charset="0"/>
+                          </a:rPr>
                         </m:ctrlPr>
                       </m:sSupPr>
                       <m:e>
                         <m:r>
-                          <a:rPr lang="en-US" sz="3200" i="1"/>
+                          <a:rPr lang="en-US" sz="3200" i="1">
+                            <a:latin typeface="Cambria Math" panose="02040503050406030204" pitchFamily="18" charset="0"/>
+                          </a:rPr>
                           <m:t>𝑥</m:t>
                         </m:r>
                       </m:e>
                       <m:sup>
                         <m:r>
-                          <a:rPr lang="en-US" sz="3200" i="1"/>
+                          <a:rPr lang="en-US" sz="3200" i="1">
+                            <a:latin typeface="Cambria Math" panose="02040503050406030204" pitchFamily="18" charset="0"/>
+                          </a:rPr>
                           <m:t>2</m:t>
                         </m:r>
                       </m:sup>
                     </m:sSup>
                     <m:r>
-                      <a:rPr lang="en-US" sz="3200" i="1"/>
+                      <a:rPr lang="en-US" sz="3200" i="1">
+                        <a:latin typeface="Cambria Math" panose="02040503050406030204" pitchFamily="18" charset="0"/>
+                      </a:rPr>
                       <m:t>−18</m:t>
                     </m:r>
                     <m:r>
-                      <a:rPr lang="en-US" sz="3200" i="1"/>
+                      <a:rPr lang="en-US" sz="3200" i="1">
+                        <a:latin typeface="Cambria Math" panose="02040503050406030204" pitchFamily="18" charset="0"/>
+                      </a:rPr>
                       <m:t>𝑥</m:t>
                     </m:r>
                     <m:r>
-                      <a:rPr lang="en-US" sz="3200" i="1"/>
-                      <m:t>+18</m:t>
-                    </m:r>
-                    <m:r>
-                      <a:rPr lang="en-US" sz="3200" b="0" i="1" smtClean="0">
+                      <a:rPr lang="en-US" sz="3200" i="1">
                         <a:latin typeface="Cambria Math" panose="02040503050406030204" pitchFamily="18" charset="0"/>
                       </a:rPr>
-                      <m:t>=0</m:t>
+                      <m:t>+18=0</m:t>
                     </m:r>
                   </m:oMath>
                 </a14:m>
@@ -6022,78 +6238,106 @@
                     <m:sSup>
                       <m:sSupPr>
                         <m:ctrlPr>
-                          <a:rPr lang="en-US" sz="3200" i="1"/>
+                          <a:rPr lang="en-US" sz="3200" i="1">
+                            <a:latin typeface="Cambria Math" panose="02040503050406030204" pitchFamily="18" charset="0"/>
+                          </a:rPr>
                         </m:ctrlPr>
                       </m:sSupPr>
                       <m:e>
                         <m:r>
-                          <a:rPr lang="en-US" sz="3200" i="1"/>
+                          <a:rPr lang="en-US" sz="3200" i="1">
+                            <a:latin typeface="Cambria Math" panose="02040503050406030204" pitchFamily="18" charset="0"/>
+                          </a:rPr>
                           <m:t>𝑥</m:t>
                         </m:r>
                       </m:e>
                       <m:sup>
                         <m:r>
-                          <a:rPr lang="en-US" sz="3200" i="1"/>
+                          <a:rPr lang="en-US" sz="3200" i="1">
+                            <a:latin typeface="Cambria Math" panose="02040503050406030204" pitchFamily="18" charset="0"/>
+                          </a:rPr>
                           <m:t>4</m:t>
                         </m:r>
                       </m:sup>
                     </m:sSup>
                     <m:r>
-                      <a:rPr lang="en-US" sz="3200" i="1"/>
+                      <a:rPr lang="en-US" sz="3200" i="1">
+                        <a:latin typeface="Cambria Math" panose="02040503050406030204" pitchFamily="18" charset="0"/>
+                      </a:rPr>
                       <m:t>+2</m:t>
                     </m:r>
                     <m:sSup>
                       <m:sSupPr>
                         <m:ctrlPr>
-                          <a:rPr lang="en-US" sz="3200" i="1"/>
+                          <a:rPr lang="en-US" sz="3200" i="1">
+                            <a:latin typeface="Cambria Math" panose="02040503050406030204" pitchFamily="18" charset="0"/>
+                          </a:rPr>
                         </m:ctrlPr>
                       </m:sSupPr>
                       <m:e>
                         <m:r>
-                          <a:rPr lang="en-US" sz="3200" i="1"/>
+                          <a:rPr lang="en-US" sz="3200" i="1">
+                            <a:latin typeface="Cambria Math" panose="02040503050406030204" pitchFamily="18" charset="0"/>
+                          </a:rPr>
                           <m:t>𝑥</m:t>
                         </m:r>
                       </m:e>
                       <m:sup>
                         <m:r>
-                          <a:rPr lang="en-US" sz="3200" i="1"/>
+                          <a:rPr lang="en-US" sz="3200" i="1">
+                            <a:latin typeface="Cambria Math" panose="02040503050406030204" pitchFamily="18" charset="0"/>
+                          </a:rPr>
                           <m:t>3</m:t>
                         </m:r>
                       </m:sup>
                     </m:sSup>
                     <m:r>
-                      <a:rPr lang="en-US" sz="3200" i="1"/>
+                      <a:rPr lang="en-US" sz="3200" i="1">
+                        <a:latin typeface="Cambria Math" panose="02040503050406030204" pitchFamily="18" charset="0"/>
+                      </a:rPr>
                       <m:t>−4</m:t>
                     </m:r>
                     <m:sSup>
                       <m:sSupPr>
                         <m:ctrlPr>
-                          <a:rPr lang="en-US" sz="3200" i="1"/>
+                          <a:rPr lang="en-US" sz="3200" i="1">
+                            <a:latin typeface="Cambria Math" panose="02040503050406030204" pitchFamily="18" charset="0"/>
+                          </a:rPr>
                         </m:ctrlPr>
                       </m:sSupPr>
                       <m:e>
                         <m:r>
-                          <a:rPr lang="en-US" sz="3200" i="1"/>
+                          <a:rPr lang="en-US" sz="3200" i="1">
+                            <a:latin typeface="Cambria Math" panose="02040503050406030204" pitchFamily="18" charset="0"/>
+                          </a:rPr>
                           <m:t>𝑥</m:t>
                         </m:r>
                       </m:e>
                       <m:sup>
                         <m:r>
-                          <a:rPr lang="en-US" sz="3200" i="1"/>
+                          <a:rPr lang="en-US" sz="3200" i="1">
+                            <a:latin typeface="Cambria Math" panose="02040503050406030204" pitchFamily="18" charset="0"/>
+                          </a:rPr>
                           <m:t>2</m:t>
                         </m:r>
                       </m:sup>
                     </m:sSup>
                     <m:r>
-                      <a:rPr lang="en-US" sz="3200" i="1"/>
+                      <a:rPr lang="en-US" sz="3200" i="1">
+                        <a:latin typeface="Cambria Math" panose="02040503050406030204" pitchFamily="18" charset="0"/>
+                      </a:rPr>
                       <m:t>−7</m:t>
                     </m:r>
                     <m:r>
-                      <a:rPr lang="en-US" sz="3200" i="1"/>
+                      <a:rPr lang="en-US" sz="3200" i="1">
+                        <a:latin typeface="Cambria Math" panose="02040503050406030204" pitchFamily="18" charset="0"/>
+                      </a:rPr>
                       <m:t>𝑥</m:t>
                     </m:r>
                     <m:r>
-                      <a:rPr lang="en-US" sz="3200" i="1"/>
+                      <a:rPr lang="en-US" sz="3200" i="1">
+                        <a:latin typeface="Cambria Math" panose="02040503050406030204" pitchFamily="18" charset="0"/>
+                      </a:rPr>
                       <m:t>−2</m:t>
                     </m:r>
                     <m:r>
@@ -6145,7 +6389,7 @@
             </p:txBody>
           </p:sp>
         </mc:Choice>
-        <mc:Fallback>
+        <mc:Fallback xmlns="">
           <p:sp>
             <p:nvSpPr>
               <p:cNvPr id="3" name="Content Placeholder 2"/>
